--- a/Craft Beer Analysis Presentation.pptx
+++ b/Craft Beer Analysis Presentation.pptx
@@ -1149,7 +1149,7 @@
           <a:p>
             <a:fld id="{1D8BD707-D9CF-40AE-B4C6-C98DA3205C09}" type="datetimeFigureOut">
               <a:rPr lang="en-US"/>
-              <a:t>6/25/2018</a:t>
+              <a:t>6/26/2018</a:t>
             </a:fld>
             <a:endParaRPr lang="en-US"/>
           </a:p>
@@ -1326,7 +1326,7 @@
           <a:p>
             <a:fld id="{1D8BD707-D9CF-40AE-B4C6-C98DA3205C09}" type="datetimeFigureOut">
               <a:rPr lang="en-US"/>
-              <a:t>6/25/2018</a:t>
+              <a:t>6/26/2018</a:t>
             </a:fld>
             <a:endParaRPr lang="en-US"/>
           </a:p>
@@ -1540,7 +1540,7 @@
           <a:p>
             <a:fld id="{1D8BD707-D9CF-40AE-B4C6-C98DA3205C09}" type="datetimeFigureOut">
               <a:rPr lang="en-US"/>
-              <a:t>6/25/2018</a:t>
+              <a:t>6/26/2018</a:t>
             </a:fld>
             <a:endParaRPr lang="en-US"/>
           </a:p>
@@ -1725,7 +1725,7 @@
           <a:p>
             <a:fld id="{1D8BD707-D9CF-40AE-B4C6-C98DA3205C09}" type="datetimeFigureOut">
               <a:rPr lang="en-US"/>
-              <a:t>6/25/2018</a:t>
+              <a:t>6/26/2018</a:t>
             </a:fld>
             <a:endParaRPr lang="en-US"/>
           </a:p>
@@ -1844,7 +1844,7 @@
           <a:p>
             <a:fld id="{1D8BD707-D9CF-40AE-B4C6-C98DA3205C09}" type="datetimeFigureOut">
               <a:rPr lang="en-US"/>
-              <a:t>6/25/2018</a:t>
+              <a:t>6/26/2018</a:t>
             </a:fld>
             <a:endParaRPr lang="en-US"/>
           </a:p>
@@ -2069,7 +2069,7 @@
           <a:p>
             <a:fld id="{1D8BD707-D9CF-40AE-B4C6-C98DA3205C09}" type="datetimeFigureOut">
               <a:rPr lang="en-US"/>
-              <a:t>6/25/2018</a:t>
+              <a:t>6/26/2018</a:t>
             </a:fld>
             <a:endParaRPr lang="en-US"/>
           </a:p>
@@ -2553,7 +2553,7 @@
                 <a:latin typeface="Bahnschrift Condensed" panose="020B0502040204020203" pitchFamily="34" charset="0"/>
                 <a:cs typeface="Times New Roman"/>
               </a:rPr>
-              <a:t>Rene Pineda</a:t>
+              <a:t>Rene M. Pineda</a:t>
             </a:r>
             <a:endParaRPr dirty="0">
               <a:latin typeface="Bahnschrift Condensed" panose="020B0502040204020203" pitchFamily="34" charset="0"/>
@@ -2910,7 +2910,9 @@
           <a:lstStyle/>
           <a:p>
             <a:r>
-              <a:rPr lang="en-US" sz="2800" dirty="0"/>
+              <a:rPr lang="en-US" sz="2800" dirty="0">
+                <a:latin typeface="Bahnschrift Condensed" panose="020B0502040204020203" pitchFamily="34" charset="0"/>
+              </a:rPr>
               <a:t>Maximum alcoholic content and maximum bitterness</a:t>
             </a:r>
           </a:p>
@@ -2954,6 +2956,7 @@
                 <a:solidFill>
                   <a:schemeClr val="bg1"/>
                 </a:solidFill>
+                <a:latin typeface="Bahnschrift Condensed" panose="020B0502040204020203" pitchFamily="34" charset="0"/>
               </a:rPr>
               <a:t>Presented to the Brewers Association | Boulder, CO</a:t>
             </a:r>
@@ -2990,7 +2993,9 @@
           <a:p>
             <a:pPr algn="ctr"/>
             <a:r>
-              <a:rPr lang="en-US" sz="1600" dirty="0"/>
+              <a:rPr lang="en-US" sz="1600" dirty="0">
+                <a:latin typeface="Bahnschrift Condensed" panose="020B0502040204020203" pitchFamily="34" charset="0"/>
+              </a:rPr>
               <a:t>The State that has maximum alcoholic beer is </a:t>
             </a:r>
             <a:r>
@@ -2998,19 +3003,26 @@
                 <a:solidFill>
                   <a:srgbClr val="C00000"/>
                 </a:solidFill>
+                <a:latin typeface="Bahnschrift Condensed" panose="020B0502040204020203" pitchFamily="34" charset="0"/>
               </a:rPr>
               <a:t>Colorado</a:t>
             </a:r>
             <a:r>
-              <a:rPr lang="en-US" sz="1600" dirty="0"/>
+              <a:rPr lang="en-US" sz="1600" dirty="0">
+                <a:latin typeface="Bahnschrift Condensed" panose="020B0502040204020203" pitchFamily="34" charset="0"/>
+              </a:rPr>
               <a:t>, and it’s the “Lee Hill Series Vol. 5”, a </a:t>
             </a:r>
             <a:r>
-              <a:rPr lang="en-US" sz="1600" dirty="0" err="1"/>
+              <a:rPr lang="en-US" sz="1600" dirty="0" err="1">
+                <a:latin typeface="Bahnschrift Condensed" panose="020B0502040204020203" pitchFamily="34" charset="0"/>
+              </a:rPr>
               <a:t>Quadrupel</a:t>
             </a:r>
             <a:r>
-              <a:rPr lang="en-US" sz="1600" dirty="0"/>
+              <a:rPr lang="en-US" sz="1600" dirty="0">
+                <a:latin typeface="Bahnschrift Condensed" panose="020B0502040204020203" pitchFamily="34" charset="0"/>
+              </a:rPr>
               <a:t> Ale with 0.128 ABV</a:t>
             </a:r>
           </a:p>
@@ -3075,7 +3087,9 @@
           <a:p>
             <a:pPr algn="ctr"/>
             <a:r>
-              <a:rPr lang="en-US" sz="1600" dirty="0"/>
+              <a:rPr lang="en-US" sz="1600" dirty="0">
+                <a:latin typeface="Bahnschrift Condensed" panose="020B0502040204020203" pitchFamily="34" charset="0"/>
+              </a:rPr>
               <a:t>The State that has most bitter (IBU) beer is </a:t>
             </a:r>
             <a:r>
@@ -3083,11 +3097,14 @@
                 <a:solidFill>
                   <a:srgbClr val="C00000"/>
                 </a:solidFill>
+                <a:latin typeface="Bahnschrift Condensed" panose="020B0502040204020203" pitchFamily="34" charset="0"/>
               </a:rPr>
               <a:t>Oregon</a:t>
             </a:r>
             <a:r>
-              <a:rPr lang="en-US" sz="1600" dirty="0"/>
+              <a:rPr lang="en-US" sz="1600" dirty="0">
+                <a:latin typeface="Bahnschrift Condensed" panose="020B0502040204020203" pitchFamily="34" charset="0"/>
+              </a:rPr>
               <a:t>, and it’s the “Bitter Bitch”, an Imperial IPA with 138 IBU, produced by Astoria Brewing Co.</a:t>
             </a:r>
           </a:p>
@@ -3367,7 +3384,9 @@
           <a:lstStyle/>
           <a:p>
             <a:r>
-              <a:rPr lang="en-US" sz="2800" dirty="0"/>
+              <a:rPr lang="en-US" sz="2800" dirty="0">
+                <a:latin typeface="Bahnschrift Condensed" panose="020B0502040204020203" pitchFamily="34" charset="0"/>
+              </a:rPr>
               <a:t>Relationship between Bitterness and alcoholic content</a:t>
             </a:r>
           </a:p>
@@ -3411,6 +3430,7 @@
                 <a:solidFill>
                   <a:schemeClr val="bg1"/>
                 </a:solidFill>
+                <a:latin typeface="Bahnschrift Condensed" panose="020B0502040204020203" pitchFamily="34" charset="0"/>
               </a:rPr>
               <a:t>Presented to the Brewers Association | Boulder, CO</a:t>
             </a:r>
@@ -3477,7 +3497,9 @@
           <a:p>
             <a:pPr algn="ctr"/>
             <a:r>
-              <a:rPr lang="en-US" sz="1600" dirty="0"/>
+              <a:rPr lang="en-US" sz="1600" dirty="0">
+                <a:latin typeface="Bahnschrift Condensed" panose="020B0502040204020203" pitchFamily="34" charset="0"/>
+              </a:rPr>
               <a:t>There is a noticeable positive relationship between bitterness and alcoholic content. The correlation coefficient between the variables is 0.67</a:t>
             </a:r>
           </a:p>
@@ -3703,7 +3725,9 @@
           <a:lstStyle/>
           <a:p>
             <a:r>
-              <a:rPr lang="en-US" sz="2800" dirty="0"/>
+              <a:rPr lang="en-US" sz="2800" dirty="0">
+                <a:latin typeface="Bahnschrift Condensed" panose="020B0502040204020203" pitchFamily="34" charset="0"/>
+              </a:rPr>
               <a:t>Additional analysis: Most popular beer styles</a:t>
             </a:r>
           </a:p>
@@ -3747,6 +3771,7 @@
                 <a:solidFill>
                   <a:schemeClr val="bg1"/>
                 </a:solidFill>
+                <a:latin typeface="Bahnschrift Condensed" panose="020B0502040204020203" pitchFamily="34" charset="0"/>
               </a:rPr>
               <a:t>Presented to the Brewers Association | Boulder, CO</a:t>
             </a:r>
@@ -4003,7 +4028,9 @@
           <a:lstStyle/>
           <a:p>
             <a:r>
-              <a:rPr lang="en-US" sz="2800" dirty="0"/>
+              <a:rPr lang="en-US" sz="2800" dirty="0">
+                <a:latin typeface="Bahnschrift Condensed" panose="020B0502040204020203" pitchFamily="34" charset="0"/>
+              </a:rPr>
               <a:t>Additional analysis: Common words in beer names</a:t>
             </a:r>
           </a:p>
@@ -4047,6 +4074,7 @@
                 <a:solidFill>
                   <a:schemeClr val="bg1"/>
                 </a:solidFill>
+                <a:latin typeface="Bahnschrift Condensed" panose="020B0502040204020203" pitchFamily="34" charset="0"/>
               </a:rPr>
               <a:t>Presented to the Brewers Association | Boulder, CO</a:t>
             </a:r>
@@ -4293,7 +4321,9 @@
           <a:lstStyle/>
           <a:p>
             <a:r>
-              <a:rPr lang="en-US" sz="2800" dirty="0"/>
+              <a:rPr lang="en-US" sz="2800" dirty="0">
+                <a:latin typeface="Bahnschrift Condensed" panose="020B0502040204020203" pitchFamily="34" charset="0"/>
+              </a:rPr>
               <a:t>Conclusions</a:t>
             </a:r>
           </a:p>
@@ -4337,6 +4367,7 @@
                 <a:solidFill>
                   <a:schemeClr val="bg1"/>
                 </a:solidFill>
+                <a:latin typeface="Bahnschrift Condensed" panose="020B0502040204020203" pitchFamily="34" charset="0"/>
               </a:rPr>
               <a:t>Presented to the Brewers Association | Boulder, CO</a:t>
             </a:r>
@@ -4371,56 +4402,82 @@
           <a:lstStyle/>
           <a:p>
             <a:r>
-              <a:rPr lang="en-US" sz="1600" dirty="0"/>
+              <a:rPr lang="en-US" dirty="0">
+                <a:latin typeface="Bahnschrift Condensed" panose="020B0502040204020203" pitchFamily="34" charset="0"/>
+              </a:rPr>
               <a:t>Based on the analysis, California and Colorado are the top two States. When we order all the data by Brewery and Beer IDs, . The first six observations include beer names: Parapet ESB, Stronghold, </a:t>
             </a:r>
             <a:r>
-              <a:rPr lang="en-US" sz="1600" dirty="0" err="1"/>
+              <a:rPr lang="en-US" dirty="0" err="1">
+                <a:latin typeface="Bahnschrift Condensed" panose="020B0502040204020203" pitchFamily="34" charset="0"/>
+              </a:rPr>
               <a:t>Pumpion</a:t>
             </a:r>
             <a:r>
-              <a:rPr lang="en-US" sz="1600" dirty="0"/>
+              <a:rPr lang="en-US" dirty="0">
+                <a:latin typeface="Bahnschrift Condensed" panose="020B0502040204020203" pitchFamily="34" charset="0"/>
+              </a:rPr>
               <a:t>, Wall’s End, Maggie’s Leap and Get Together. The last 6 observations include beer names: Pilsner Ukiah, </a:t>
             </a:r>
             <a:r>
-              <a:rPr lang="en-US" sz="1600" dirty="0" err="1"/>
+              <a:rPr lang="en-US" dirty="0" err="1">
+                <a:latin typeface="Bahnschrift Condensed" panose="020B0502040204020203" pitchFamily="34" charset="0"/>
+              </a:rPr>
               <a:t>Porkslap</a:t>
             </a:r>
             <a:r>
-              <a:rPr lang="en-US" sz="1600" dirty="0"/>
+              <a:rPr lang="en-US" dirty="0">
+                <a:latin typeface="Bahnschrift Condensed" panose="020B0502040204020203" pitchFamily="34" charset="0"/>
+              </a:rPr>
               <a:t> Pale Ale, Moo Thunder Stout, </a:t>
             </a:r>
             <a:r>
-              <a:rPr lang="en-US" sz="1600" dirty="0" err="1"/>
+              <a:rPr lang="en-US" dirty="0" err="1">
+                <a:latin typeface="Bahnschrift Condensed" panose="020B0502040204020203" pitchFamily="34" charset="0"/>
+              </a:rPr>
               <a:t>Snapperhead</a:t>
             </a:r>
             <a:r>
-              <a:rPr lang="en-US" sz="1600" dirty="0"/>
+              <a:rPr lang="en-US" dirty="0">
+                <a:latin typeface="Bahnschrift Condensed" panose="020B0502040204020203" pitchFamily="34" charset="0"/>
+              </a:rPr>
               <a:t> IPA, </a:t>
             </a:r>
             <a:r>
-              <a:rPr lang="en-US" sz="1600" dirty="0" err="1"/>
+              <a:rPr lang="en-US" dirty="0" err="1">
+                <a:latin typeface="Bahnschrift Condensed" panose="020B0502040204020203" pitchFamily="34" charset="0"/>
+              </a:rPr>
               <a:t>Heinnieweisse</a:t>
             </a:r>
             <a:r>
-              <a:rPr lang="en-US" sz="1600" dirty="0"/>
+              <a:rPr lang="en-US" dirty="0">
+                <a:latin typeface="Bahnschrift Condensed" panose="020B0502040204020203" pitchFamily="34" charset="0"/>
+              </a:rPr>
               <a:t> </a:t>
             </a:r>
             <a:r>
-              <a:rPr lang="en-US" sz="1600" dirty="0" err="1"/>
+              <a:rPr lang="en-US" dirty="0" err="1">
+                <a:latin typeface="Bahnschrift Condensed" panose="020B0502040204020203" pitchFamily="34" charset="0"/>
+              </a:rPr>
               <a:t>Weissebier</a:t>
             </a:r>
             <a:r>
-              <a:rPr lang="en-US" sz="1600" dirty="0"/>
+              <a:rPr lang="en-US" dirty="0">
+                <a:latin typeface="Bahnschrift Condensed" panose="020B0502040204020203" pitchFamily="34" charset="0"/>
+              </a:rPr>
               <a:t> and Urban Wilderness Pale Ale; Out of 2410 total rows of the data, there are two columns having NA’s: ABV has 62 and IBU has 1005.</a:t>
             </a:r>
           </a:p>
           <a:p>
-            <a:endParaRPr lang="en-US" sz="1600" dirty="0"/>
+            <a:endParaRPr lang="en-US" dirty="0">
+              <a:latin typeface="Bahnschrift Condensed" panose="020B0502040204020203" pitchFamily="34" charset="0"/>
+            </a:endParaRPr>
           </a:p>
           <a:p>
             <a:r>
-              <a:rPr lang="en-US" sz="1600" dirty="0"/>
+              <a:rPr lang="en-US" dirty="0">
+                <a:latin typeface="Bahnschrift Condensed" panose="020B0502040204020203" pitchFamily="34" charset="0"/>
+              </a:rPr>
               <a:t>After computing the median alcohol content and international bitterness unit for each state. DC has the highest median ABV, MS has the highest median IBV; UT has the lowest median ABV, SD has the lowest median IBV. The State of Colorado has the maximum alcoholic (ABV) beer and Oregon has the most bitter(IBU) beer. After running the summary statistics to ABV variable, the min ABV is 0.001 and the max ABV is 0.128. The Mean is 0.05977 and the median is 0.056. It has a little bit skewness here. Based on the scatter plot, we can see that there is a noticeable positive, linear relationship between the bitterness of the beer and the alcoholic content.</a:t>
             </a:r>
           </a:p>
@@ -4434,7 +4491,7 @@
                 <a:tab pos="355600" algn="l"/>
               </a:tabLst>
             </a:pPr>
-            <a:endParaRPr lang="en-US" sz="1200" dirty="0">
+            <a:endParaRPr lang="en-US" sz="1400" dirty="0">
               <a:latin typeface="+mj-lt"/>
               <a:cs typeface="Franklin Gothic Book"/>
             </a:endParaRPr>
@@ -4661,7 +4718,9 @@
           <a:lstStyle/>
           <a:p>
             <a:r>
-              <a:rPr lang="en-US" sz="2800" dirty="0"/>
+              <a:rPr lang="en-US" sz="2800" dirty="0">
+                <a:latin typeface="Bahnschrift Condensed" panose="020B0502040204020203" pitchFamily="34" charset="0"/>
+              </a:rPr>
               <a:t>Introduction</a:t>
             </a:r>
           </a:p>
@@ -4705,6 +4764,7 @@
                 <a:solidFill>
                   <a:schemeClr val="bg1"/>
                 </a:solidFill>
+                <a:latin typeface="Bahnschrift Condensed" panose="020B0502040204020203" pitchFamily="34" charset="0"/>
               </a:rPr>
               <a:t>Presented to the Brewers Association | Boulder, CO</a:t>
             </a:r>
@@ -4751,7 +4811,7 @@
             </a:pPr>
             <a:r>
               <a:rPr lang="en-US" sz="1600" dirty="0">
-                <a:latin typeface="+mj-lt"/>
+                <a:latin typeface="Bahnschrift Condensed" panose="020B0502040204020203" pitchFamily="34" charset="0"/>
                 <a:cs typeface="Franklin Gothic Book"/>
               </a:rPr>
               <a:t>The craft beer Market in the U.S.</a:t>
@@ -4768,7 +4828,7 @@
               </a:tabLst>
             </a:pPr>
             <a:endParaRPr lang="en-US" sz="1400" dirty="0">
-              <a:latin typeface="+mj-lt"/>
+              <a:latin typeface="Bahnschrift Condensed" panose="020B0502040204020203" pitchFamily="34" charset="0"/>
               <a:cs typeface="Franklin Gothic Book"/>
             </a:endParaRPr>
           </a:p>
@@ -4784,10 +4844,61 @@
             </a:pPr>
             <a:r>
               <a:rPr lang="en-US" sz="1400" dirty="0">
-                <a:latin typeface="+mj-lt"/>
+                <a:latin typeface="Bahnschrift Condensed" panose="020B0502040204020203" pitchFamily="34" charset="0"/>
                 <a:cs typeface="Franklin Gothic Book"/>
               </a:rPr>
-              <a:t>There is a surge in popularity of craft beers in the United States. According to the Brewers Association, the overall beer market size in the U.S. was USD 111.4 Billion in 2017, of which USD 26 Billion belong to "craft beers". Retail dollar sales of craft increased 8%, a much larger growth than the rest of the industry. </a:t>
+              <a:t>There is a surge in popularity of craft beers in the United States. According to the Brewers Association, the overall beer market size in the U.S. was </a:t>
+            </a:r>
+            <a:r>
+              <a:rPr lang="en-US" sz="1400" dirty="0">
+                <a:solidFill>
+                  <a:srgbClr val="C00000"/>
+                </a:solidFill>
+                <a:latin typeface="Bahnschrift Condensed" panose="020B0502040204020203" pitchFamily="34" charset="0"/>
+                <a:cs typeface="Franklin Gothic Book"/>
+              </a:rPr>
+              <a:t>USD 111.4 Billion </a:t>
+            </a:r>
+            <a:r>
+              <a:rPr lang="en-US" sz="1400" dirty="0">
+                <a:latin typeface="Bahnschrift Condensed" panose="020B0502040204020203" pitchFamily="34" charset="0"/>
+                <a:cs typeface="Franklin Gothic Book"/>
+              </a:rPr>
+              <a:t>in 2017, of which </a:t>
+            </a:r>
+            <a:r>
+              <a:rPr lang="en-US" sz="1400" dirty="0">
+                <a:solidFill>
+                  <a:srgbClr val="C00000"/>
+                </a:solidFill>
+                <a:latin typeface="Bahnschrift Condensed" panose="020B0502040204020203" pitchFamily="34" charset="0"/>
+                <a:cs typeface="Franklin Gothic Book"/>
+              </a:rPr>
+              <a:t>USD 26 Billion </a:t>
+            </a:r>
+            <a:r>
+              <a:rPr lang="en-US" sz="1400" dirty="0">
+                <a:latin typeface="Bahnschrift Condensed" panose="020B0502040204020203" pitchFamily="34" charset="0"/>
+                <a:cs typeface="Franklin Gothic Book"/>
+              </a:rPr>
+              <a:t>belong to "craft beers". Retail dollar </a:t>
+            </a:r>
+            <a:r>
+              <a:rPr lang="en-US" sz="1400" dirty="0">
+                <a:solidFill>
+                  <a:srgbClr val="C00000"/>
+                </a:solidFill>
+                <a:latin typeface="Bahnschrift Condensed" panose="020B0502040204020203" pitchFamily="34" charset="0"/>
+                <a:cs typeface="Franklin Gothic Book"/>
+              </a:rPr>
+              <a:t>sales of craft increased 8%, </a:t>
+            </a:r>
+            <a:r>
+              <a:rPr lang="en-US" sz="1400" dirty="0">
+                <a:latin typeface="Bahnschrift Condensed" panose="020B0502040204020203" pitchFamily="34" charset="0"/>
+                <a:cs typeface="Franklin Gothic Book"/>
+              </a:rPr>
+              <a:t>a much larger growth than the rest of the industry. </a:t>
             </a:r>
           </a:p>
           <a:p>
@@ -4802,10 +4913,27 @@
             </a:pPr>
             <a:r>
               <a:rPr lang="en-US" sz="1400" dirty="0">
-                <a:latin typeface="+mj-lt"/>
+                <a:latin typeface="Bahnschrift Condensed" panose="020B0502040204020203" pitchFamily="34" charset="0"/>
                 <a:cs typeface="Franklin Gothic Book"/>
               </a:rPr>
-              <a:t>In volume terms, Overall U.S. beer volume sales were down 1% in 2017, whereas craft brewer sales continued to grow at a rate of 5% by volume, reaching 12.7% of the U.S. beer market by volume.</a:t>
+              <a:t>In volume terms, Overall U.S. beer volume sales were down 1% in 2017, whereas craft brewer sales continued to grow at a rate of 5% by volume, reaching </a:t>
+            </a:r>
+            <a:r>
+              <a:rPr lang="en-US" sz="1400" dirty="0">
+                <a:solidFill>
+                  <a:srgbClr val="C00000"/>
+                </a:solidFill>
+                <a:latin typeface="Bahnschrift Condensed" panose="020B0502040204020203" pitchFamily="34" charset="0"/>
+                <a:cs typeface="Franklin Gothic Book"/>
+              </a:rPr>
+              <a:t>12.7% of the U.S. beer market </a:t>
+            </a:r>
+            <a:r>
+              <a:rPr lang="en-US" sz="1400" dirty="0">
+                <a:latin typeface="Bahnschrift Condensed" panose="020B0502040204020203" pitchFamily="34" charset="0"/>
+                <a:cs typeface="Franklin Gothic Book"/>
+              </a:rPr>
+              <a:t>by volume.</a:t>
             </a:r>
           </a:p>
           <a:p>
@@ -4819,7 +4947,7 @@
               </a:tabLst>
             </a:pPr>
             <a:endParaRPr lang="en-US" sz="1600" dirty="0">
-              <a:latin typeface="+mj-lt"/>
+              <a:latin typeface="Bahnschrift Condensed" panose="020B0502040204020203" pitchFamily="34" charset="0"/>
               <a:cs typeface="Franklin Gothic Book"/>
             </a:endParaRPr>
           </a:p>
@@ -4837,7 +4965,7 @@
             </a:pPr>
             <a:r>
               <a:rPr lang="en-US" sz="1600" dirty="0">
-                <a:latin typeface="+mj-lt"/>
+                <a:latin typeface="Bahnschrift Condensed" panose="020B0502040204020203" pitchFamily="34" charset="0"/>
                 <a:cs typeface="Franklin Gothic Book"/>
               </a:rPr>
               <a:t>Craft Breweries</a:t>
@@ -4854,7 +4982,7 @@
               </a:tabLst>
             </a:pPr>
             <a:endParaRPr lang="en-US" sz="1400" dirty="0">
-              <a:latin typeface="+mj-lt"/>
+              <a:latin typeface="Bahnschrift Condensed" panose="020B0502040204020203" pitchFamily="34" charset="0"/>
               <a:cs typeface="Franklin Gothic Book"/>
             </a:endParaRPr>
           </a:p>
@@ -4870,10 +4998,20 @@
             </a:pPr>
             <a:r>
               <a:rPr lang="en-US" sz="1400" dirty="0">
-                <a:latin typeface="+mj-lt"/>
+                <a:latin typeface="Bahnschrift Condensed" panose="020B0502040204020203" pitchFamily="34" charset="0"/>
                 <a:cs typeface="Franklin Gothic Book"/>
               </a:rPr>
-              <a:t>The characteristics of American craft beer producers are: small, independent, and traditional.</a:t>
+              <a:t>The characteristics of American craft beer producers are: </a:t>
+            </a:r>
+            <a:r>
+              <a:rPr lang="en-US" sz="1400" dirty="0">
+                <a:solidFill>
+                  <a:srgbClr val="C00000"/>
+                </a:solidFill>
+                <a:latin typeface="Bahnschrift Condensed" panose="020B0502040204020203" pitchFamily="34" charset="0"/>
+                <a:cs typeface="Franklin Gothic Book"/>
+              </a:rPr>
+              <a:t>small, independent, and traditional.</a:t>
             </a:r>
           </a:p>
           <a:p>
@@ -4888,7 +5026,7 @@
             </a:pPr>
             <a:r>
               <a:rPr lang="en-US" sz="1400" dirty="0">
-                <a:latin typeface="+mj-lt"/>
+                <a:latin typeface="Bahnschrift Condensed" panose="020B0502040204020203" pitchFamily="34" charset="0"/>
                 <a:cs typeface="Franklin Gothic Book"/>
               </a:rPr>
               <a:t>There has been an explosive growth of craft breweries, the total number of breweries rose from 42 in 1978 to over 2,750 in 2012.</a:t>
@@ -4905,7 +5043,7 @@
               </a:tabLst>
             </a:pPr>
             <a:endParaRPr lang="en-US" sz="1400" dirty="0">
-              <a:latin typeface="+mj-lt"/>
+              <a:latin typeface="Bahnschrift Condensed" panose="020B0502040204020203" pitchFamily="34" charset="0"/>
               <a:cs typeface="Franklin Gothic Book"/>
             </a:endParaRPr>
           </a:p>
@@ -4921,7 +5059,7 @@
             </a:pPr>
             <a:r>
               <a:rPr lang="en-US" sz="1400" dirty="0">
-                <a:latin typeface="+mj-lt"/>
+                <a:latin typeface="Bahnschrift Condensed" panose="020B0502040204020203" pitchFamily="34" charset="0"/>
                 <a:cs typeface="Franklin Gothic Book"/>
               </a:rPr>
               <a:t>The primary objective of this work is to provide the Brewers Association with insights that can help to understand the craft beers industry, using sample data from producers in the United States.</a:t>
@@ -5164,7 +5302,9 @@
           <a:lstStyle/>
           <a:p>
             <a:r>
-              <a:rPr lang="en-US" sz="2800" dirty="0"/>
+              <a:rPr lang="en-US" sz="2800" dirty="0">
+                <a:latin typeface="Bahnschrift Condensed" panose="020B0502040204020203" pitchFamily="34" charset="0"/>
+              </a:rPr>
               <a:t>Description of the Data</a:t>
             </a:r>
           </a:p>
@@ -5208,6 +5348,7 @@
                 <a:solidFill>
                   <a:schemeClr val="bg1"/>
                 </a:solidFill>
+                <a:latin typeface="Bahnschrift Condensed" panose="020B0502040204020203" pitchFamily="34" charset="0"/>
               </a:rPr>
               <a:t>Presented to the Brewers Association | Boulder, CO</a:t>
             </a:r>
@@ -5252,7 +5393,7 @@
             </a:pPr>
             <a:r>
               <a:rPr lang="en-US" sz="2000" spc="35" dirty="0">
-                <a:latin typeface="+mj-lt"/>
+                <a:latin typeface="Bahnschrift Condensed" panose="020B0502040204020203" pitchFamily="34" charset="0"/>
                 <a:cs typeface="Franklin Gothic Book"/>
               </a:rPr>
               <a:t>Beers Data Set: </a:t>
@@ -5270,7 +5411,7 @@
             </a:pPr>
             <a:r>
               <a:rPr lang="en-US" sz="2000" spc="35" dirty="0">
-                <a:latin typeface="+mj-lt"/>
+                <a:latin typeface="Bahnschrift Condensed" panose="020B0502040204020203" pitchFamily="34" charset="0"/>
                 <a:cs typeface="Franklin Gothic Book"/>
               </a:rPr>
               <a:t>2,410 different craft beers</a:t>
@@ -5289,7 +5430,7 @@
               </a:tabLst>
             </a:pPr>
             <a:endParaRPr lang="en-US" sz="1600" dirty="0">
-              <a:latin typeface="+mj-lt"/>
+              <a:latin typeface="Bahnschrift Condensed" panose="020B0502040204020203" pitchFamily="34" charset="0"/>
               <a:cs typeface="Franklin Gothic Book"/>
             </a:endParaRPr>
           </a:p>
@@ -5305,7 +5446,7 @@
             </a:pPr>
             <a:r>
               <a:rPr lang="en-US" sz="1600" u="sng" dirty="0">
-                <a:latin typeface="+mj-lt"/>
+                <a:latin typeface="Bahnschrift Condensed" panose="020B0502040204020203" pitchFamily="34" charset="0"/>
                 <a:cs typeface="Franklin Gothic Book"/>
               </a:rPr>
               <a:t>Variables:</a:t>
@@ -5325,7 +5466,7 @@
             </a:pPr>
             <a:r>
               <a:rPr lang="en-US" sz="1600" dirty="0">
-                <a:latin typeface="+mj-lt"/>
+                <a:latin typeface="Bahnschrift Condensed" panose="020B0502040204020203" pitchFamily="34" charset="0"/>
                 <a:cs typeface="Franklin Gothic Book"/>
               </a:rPr>
               <a:t>Name: Name of the Beer</a:t>
@@ -5345,14 +5486,14 @@
             </a:pPr>
             <a:r>
               <a:rPr lang="en-US" sz="1600" dirty="0" err="1">
-                <a:latin typeface="+mj-lt"/>
+                <a:latin typeface="Bahnschrift Condensed" panose="020B0502040204020203" pitchFamily="34" charset="0"/>
                 <a:cs typeface="Franklin Gothic Book"/>
               </a:rPr>
               <a:t>Beer_ID</a:t>
             </a:r>
             <a:r>
               <a:rPr lang="en-US" sz="1600" dirty="0">
-                <a:latin typeface="+mj-lt"/>
+                <a:latin typeface="Bahnschrift Condensed" panose="020B0502040204020203" pitchFamily="34" charset="0"/>
                 <a:cs typeface="Franklin Gothic Book"/>
               </a:rPr>
               <a:t>:  ID number for each beer</a:t>
@@ -5372,7 +5513,7 @@
             </a:pPr>
             <a:r>
               <a:rPr lang="en-US" sz="1600" dirty="0">
-                <a:latin typeface="+mj-lt"/>
+                <a:latin typeface="Bahnschrift Condensed" panose="020B0502040204020203" pitchFamily="34" charset="0"/>
                 <a:cs typeface="Franklin Gothic Book"/>
               </a:rPr>
               <a:t>ABV:  Alcohol by volume</a:t>
@@ -5392,7 +5533,7 @@
             </a:pPr>
             <a:r>
               <a:rPr lang="en-US" sz="1600" dirty="0">
-                <a:latin typeface="+mj-lt"/>
+                <a:latin typeface="Bahnschrift Condensed" panose="020B0502040204020203" pitchFamily="34" charset="0"/>
                 <a:cs typeface="Franklin Gothic Book"/>
               </a:rPr>
               <a:t>ABU:  International Bitterness Unit</a:t>
@@ -5412,14 +5553,14 @@
             </a:pPr>
             <a:r>
               <a:rPr lang="en-US" sz="1600" dirty="0" err="1">
-                <a:latin typeface="+mj-lt"/>
+                <a:latin typeface="Bahnschrift Condensed" panose="020B0502040204020203" pitchFamily="34" charset="0"/>
                 <a:cs typeface="Franklin Gothic Book"/>
               </a:rPr>
               <a:t>Brewery_id</a:t>
             </a:r>
             <a:r>
               <a:rPr lang="en-US" sz="1600" dirty="0">
-                <a:latin typeface="+mj-lt"/>
+                <a:latin typeface="Bahnschrift Condensed" panose="020B0502040204020203" pitchFamily="34" charset="0"/>
                 <a:cs typeface="Franklin Gothic Book"/>
               </a:rPr>
               <a:t>:  ID number for each brewery</a:t>
@@ -5439,7 +5580,7 @@
             </a:pPr>
             <a:r>
               <a:rPr lang="en-US" sz="1600" dirty="0">
-                <a:latin typeface="+mj-lt"/>
+                <a:latin typeface="Bahnschrift Condensed" panose="020B0502040204020203" pitchFamily="34" charset="0"/>
                 <a:cs typeface="Franklin Gothic Book"/>
               </a:rPr>
               <a:t>Style: Style of Beer</a:t>
@@ -5459,7 +5600,7 @@
             </a:pPr>
             <a:r>
               <a:rPr lang="en-US" sz="1600" dirty="0">
-                <a:latin typeface="+mj-lt"/>
+                <a:latin typeface="Bahnschrift Condensed" panose="020B0502040204020203" pitchFamily="34" charset="0"/>
                 <a:cs typeface="Franklin Gothic Book"/>
               </a:rPr>
               <a:t>Ounces:  Fluid ounces of each beer</a:t>
@@ -5505,7 +5646,7 @@
             </a:pPr>
             <a:r>
               <a:rPr lang="en-US" sz="2000" spc="35" dirty="0">
-                <a:latin typeface="+mj-lt"/>
+                <a:latin typeface="Bahnschrift Condensed" panose="020B0502040204020203" pitchFamily="34" charset="0"/>
                 <a:cs typeface="Franklin Gothic Book"/>
               </a:rPr>
               <a:t>Breweries data set: </a:t>
@@ -5523,7 +5664,7 @@
             </a:pPr>
             <a:r>
               <a:rPr lang="en-US" sz="2000" spc="35" dirty="0">
-                <a:latin typeface="+mj-lt"/>
+                <a:latin typeface="Bahnschrift Condensed" panose="020B0502040204020203" pitchFamily="34" charset="0"/>
                 <a:cs typeface="Franklin Gothic Book"/>
               </a:rPr>
               <a:t>558 craft beer producers</a:t>
@@ -5540,7 +5681,7 @@
               </a:tabLst>
             </a:pPr>
             <a:endParaRPr lang="en-US" sz="1600" u="sng" dirty="0">
-              <a:latin typeface="+mj-lt"/>
+              <a:latin typeface="Bahnschrift Condensed" panose="020B0502040204020203" pitchFamily="34" charset="0"/>
               <a:cs typeface="Franklin Gothic Book"/>
             </a:endParaRPr>
           </a:p>
@@ -5556,7 +5697,7 @@
             </a:pPr>
             <a:r>
               <a:rPr lang="en-US" sz="1600" u="sng" dirty="0">
-                <a:latin typeface="+mj-lt"/>
+                <a:latin typeface="Bahnschrift Condensed" panose="020B0502040204020203" pitchFamily="34" charset="0"/>
                 <a:cs typeface="Franklin Gothic Book"/>
               </a:rPr>
               <a:t>Variables:</a:t>
@@ -5576,14 +5717,14 @@
             </a:pPr>
             <a:r>
               <a:rPr lang="en-US" sz="1600" dirty="0" err="1">
-                <a:latin typeface="+mj-lt"/>
+                <a:latin typeface="Bahnschrift Condensed" panose="020B0502040204020203" pitchFamily="34" charset="0"/>
                 <a:cs typeface="Franklin Gothic Book"/>
               </a:rPr>
               <a:t>Brew_ID</a:t>
             </a:r>
             <a:r>
               <a:rPr lang="en-US" sz="1600" dirty="0">
-                <a:latin typeface="+mj-lt"/>
+                <a:latin typeface="Bahnschrift Condensed" panose="020B0502040204020203" pitchFamily="34" charset="0"/>
                 <a:cs typeface="Franklin Gothic Book"/>
               </a:rPr>
               <a:t>:  ID number for each brewery</a:t>
@@ -5603,7 +5744,7 @@
             </a:pPr>
             <a:r>
               <a:rPr lang="en-US" sz="1600" dirty="0">
-                <a:latin typeface="+mj-lt"/>
+                <a:latin typeface="Bahnschrift Condensed" panose="020B0502040204020203" pitchFamily="34" charset="0"/>
                 <a:cs typeface="Franklin Gothic Book"/>
               </a:rPr>
               <a:t>Name:  Brewery Name</a:t>
@@ -5623,7 +5764,7 @@
             </a:pPr>
             <a:r>
               <a:rPr lang="en-US" sz="1600" dirty="0">
-                <a:latin typeface="+mj-lt"/>
+                <a:latin typeface="Bahnschrift Condensed" panose="020B0502040204020203" pitchFamily="34" charset="0"/>
                 <a:cs typeface="Franklin Gothic Book"/>
               </a:rPr>
               <a:t>City:  City each brewery is located</a:t>
@@ -5643,13 +5784,13 @@
             </a:pPr>
             <a:r>
               <a:rPr lang="en-US" sz="1600" dirty="0">
-                <a:latin typeface="+mj-lt"/>
+                <a:latin typeface="Bahnschrift Condensed" panose="020B0502040204020203" pitchFamily="34" charset="0"/>
                 <a:cs typeface="Franklin Gothic Book"/>
               </a:rPr>
               <a:t>State:  State each brewery is located</a:t>
             </a:r>
             <a:endParaRPr sz="1600" dirty="0">
-              <a:latin typeface="+mj-lt"/>
+              <a:latin typeface="Bahnschrift Condensed" panose="020B0502040204020203" pitchFamily="34" charset="0"/>
               <a:cs typeface="Franklin Gothic Book"/>
             </a:endParaRPr>
           </a:p>
@@ -5693,13 +5834,13 @@
             </a:pPr>
             <a:r>
               <a:rPr lang="en-US" sz="2000" spc="35" dirty="0">
-                <a:latin typeface="Franklin Gothic Book"/>
+                <a:latin typeface="Bahnschrift Condensed" panose="020B0502040204020203" pitchFamily="34" charset="0"/>
                 <a:cs typeface="Franklin Gothic Book"/>
               </a:rPr>
               <a:t>We merged the data set by the ID of the brewery.</a:t>
             </a:r>
             <a:endParaRPr sz="1600" dirty="0">
-              <a:latin typeface="Franklin Gothic Book"/>
+              <a:latin typeface="Bahnschrift Condensed" panose="020B0502040204020203" pitchFamily="34" charset="0"/>
               <a:cs typeface="Franklin Gothic Book"/>
             </a:endParaRPr>
           </a:p>
@@ -5925,7 +6066,9 @@
           <a:lstStyle/>
           <a:p>
             <a:r>
-              <a:rPr lang="en-US" sz="2800" dirty="0"/>
+              <a:rPr lang="en-US" sz="2800" dirty="0">
+                <a:latin typeface="Bahnschrift Condensed" panose="020B0502040204020203" pitchFamily="34" charset="0"/>
+              </a:rPr>
               <a:t>Which States have the largest number of breweries?</a:t>
             </a:r>
           </a:p>
@@ -5969,6 +6112,7 @@
                 <a:solidFill>
                   <a:schemeClr val="bg1"/>
                 </a:solidFill>
+                <a:latin typeface="Bahnschrift Condensed" panose="020B0502040204020203" pitchFamily="34" charset="0"/>
               </a:rPr>
               <a:t>Presented to the Brewers Association | Boulder, CO</a:t>
             </a:r>
@@ -6254,7 +6398,9 @@
           <a:lstStyle/>
           <a:p>
             <a:r>
-              <a:rPr lang="en-US" sz="2800" dirty="0"/>
+              <a:rPr lang="en-US" sz="2800" dirty="0">
+                <a:latin typeface="Bahnschrift Condensed" panose="020B0502040204020203" pitchFamily="34" charset="0"/>
+              </a:rPr>
               <a:t>First and last observations of the merged data set</a:t>
             </a:r>
           </a:p>
@@ -6298,6 +6444,7 @@
                 <a:solidFill>
                   <a:schemeClr val="bg1"/>
                 </a:solidFill>
+                <a:latin typeface="Bahnschrift Condensed" panose="020B0502040204020203" pitchFamily="34" charset="0"/>
               </a:rPr>
               <a:t>Presented to the Brewers Association | Boulder, CO</a:t>
             </a:r>
@@ -15839,7 +15986,9 @@
           <a:lstStyle/>
           <a:p>
             <a:r>
-              <a:rPr lang="en-US" sz="2800" dirty="0"/>
+              <a:rPr lang="en-US" sz="2800" dirty="0">
+                <a:latin typeface="Bahnschrift Condensed" panose="020B0502040204020203" pitchFamily="34" charset="0"/>
+              </a:rPr>
               <a:t>Number of NA’s in each column</a:t>
             </a:r>
           </a:p>
@@ -15883,6 +16032,7 @@
                 <a:solidFill>
                   <a:schemeClr val="bg1"/>
                 </a:solidFill>
+                <a:latin typeface="Bahnschrift Condensed" panose="020B0502040204020203" pitchFamily="34" charset="0"/>
               </a:rPr>
               <a:t>Presented to the Brewers Association | Boulder, CO</a:t>
             </a:r>
@@ -17478,7 +17628,9 @@
           <a:lstStyle/>
           <a:p>
             <a:r>
-              <a:rPr lang="en-US" sz="2800" dirty="0"/>
+              <a:rPr lang="en-US" sz="2800" dirty="0">
+                <a:latin typeface="Bahnschrift Condensed" panose="020B0502040204020203" pitchFamily="34" charset="0"/>
+              </a:rPr>
               <a:t>Summary Statistics of the ABV variable</a:t>
             </a:r>
           </a:p>
@@ -17522,42 +17674,13 @@
                 <a:solidFill>
                   <a:schemeClr val="bg1"/>
                 </a:solidFill>
+                <a:latin typeface="Bahnschrift Condensed" panose="020B0502040204020203" pitchFamily="34" charset="0"/>
               </a:rPr>
               <a:t>Presented to the Brewers Association | Boulder, CO</a:t>
             </a:r>
           </a:p>
         </p:txBody>
       </p:sp>
-      <p:pic>
-        <p:nvPicPr>
-          <p:cNvPr id="2" name="Picture 1">
-            <a:extLst>
-              <a:ext uri="{FF2B5EF4-FFF2-40B4-BE49-F238E27FC236}">
-                <a16:creationId xmlns:a16="http://schemas.microsoft.com/office/drawing/2014/main" id="{4950FB01-0441-4425-8A3F-7F5A25C49F49}"/>
-              </a:ext>
-            </a:extLst>
-          </p:cNvPr>
-          <p:cNvPicPr>
-            <a:picLocks noChangeAspect="1"/>
-          </p:cNvPicPr>
-          <p:nvPr/>
-        </p:nvPicPr>
-        <p:blipFill>
-          <a:blip r:embed="rId3"/>
-          <a:stretch>
-            <a:fillRect/>
-          </a:stretch>
-        </p:blipFill>
-        <p:spPr>
-          <a:xfrm>
-            <a:off x="2430000" y="895350"/>
-            <a:ext cx="4284000" cy="3060000"/>
-          </a:xfrm>
-          <a:prstGeom prst="rect">
-            <a:avLst/>
-          </a:prstGeom>
-        </p:spPr>
-      </p:pic>
       <p:sp>
         <p:nvSpPr>
           <p:cNvPr id="4" name="Rectangle 1">
@@ -17575,7 +17698,7 @@
         <p:spPr bwMode="auto">
           <a:xfrm>
             <a:off x="1828800" y="4070224"/>
-            <a:ext cx="5924699" cy="355852"/>
+            <a:ext cx="6858000" cy="355852"/>
           </a:xfrm>
           <a:prstGeom prst="rect">
             <a:avLst/>
@@ -17610,7 +17733,7 @@
           </a:extLst>
         </p:spPr>
         <p:txBody>
-          <a:bodyPr vert="horz" wrap="none" lIns="0" tIns="0" rIns="0" bIns="47610" numCol="1" anchor="ctr" anchorCtr="0" compatLnSpc="1">
+          <a:bodyPr vert="horz" wrap="square" lIns="0" tIns="0" rIns="0" bIns="47610" numCol="1" anchor="ctr" anchorCtr="0" compatLnSpc="1">
             <a:prstTxWarp prst="textNoShape">
               <a:avLst/>
             </a:prstTxWarp>
@@ -17646,25 +17769,41 @@
                 <a:latin typeface="Courier New" panose="02070309020205020404" pitchFamily="49" charset="0"/>
                 <a:cs typeface="Courier New" panose="02070309020205020404" pitchFamily="49" charset="0"/>
               </a:rPr>
-              <a:t>Min. 	1st Qu. 	Median 	Mean 	3rd Qu. Max. 	NA’s </a:t>
+              <a:t>Min. 	1st Qu. 	Median 	Mean 	3rd Qu. Max. </a:t>
+            </a:r>
+            <a:r>
+              <a:rPr lang="en-US" altLang="en-US" sz="1000" dirty="0">
+                <a:solidFill>
+                  <a:srgbClr val="333333"/>
+                </a:solidFill>
+                <a:latin typeface="Courier New" panose="02070309020205020404" pitchFamily="49" charset="0"/>
+                <a:cs typeface="Courier New" panose="02070309020205020404" pitchFamily="49" charset="0"/>
+              </a:rPr>
+              <a:t>     </a:t>
+            </a:r>
+            <a:r>
+              <a:rPr kumimoji="0" lang="en-US" altLang="en-US" sz="1000" b="0" i="0" u="none" strike="noStrike" cap="none" normalizeH="0" baseline="0" dirty="0">
+                <a:ln>
+                  <a:noFill/>
+                </a:ln>
+                <a:solidFill>
+                  <a:srgbClr val="333333"/>
+                </a:solidFill>
+                <a:effectLst/>
+                <a:latin typeface="Courier New" panose="02070309020205020404" pitchFamily="49" charset="0"/>
+                <a:cs typeface="Courier New" panose="02070309020205020404" pitchFamily="49" charset="0"/>
+              </a:rPr>
+              <a:t>Std. Dev    NA’s </a:t>
             </a:r>
           </a:p>
           <a:p>
-            <a:pPr marL="0" marR="0" lvl="0" indent="0" algn="l" defTabSz="914400" rtl="0" eaLnBrk="0" fontAlgn="base" latinLnBrk="0" hangingPunct="0">
-              <a:lnSpc>
-                <a:spcPct val="100000"/>
-              </a:lnSpc>
+            <a:pPr lvl="0" eaLnBrk="0" fontAlgn="base" hangingPunct="0">
               <a:spcBef>
                 <a:spcPct val="0"/>
               </a:spcBef>
               <a:spcAft>
                 <a:spcPct val="0"/>
               </a:spcAft>
-              <a:buClrTx/>
-              <a:buSzTx/>
-              <a:buFontTx/>
-              <a:buNone/>
-              <a:tabLst/>
             </a:pPr>
             <a:r>
               <a:rPr kumimoji="0" lang="en-US" altLang="en-US" sz="1000" b="0" i="0" u="none" strike="noStrike" cap="none" normalizeH="0" baseline="0" dirty="0">
@@ -17678,7 +17817,31 @@
                 <a:latin typeface="Courier New" panose="02070309020205020404" pitchFamily="49" charset="0"/>
                 <a:cs typeface="Courier New" panose="02070309020205020404" pitchFamily="49" charset="0"/>
               </a:rPr>
-              <a:t>0.00100 	0.05000 	0.05600 	0.05977 	0.06700 0.12800 	62</a:t>
+              <a:t>0.00100 	0.05000 	0.05600 	0.05977 	0.06700 0.12800   </a:t>
+            </a:r>
+            <a:r>
+              <a:rPr lang="en-US" altLang="en-US" sz="1000" dirty="0">
+                <a:solidFill>
+                  <a:srgbClr val="333333"/>
+                </a:solidFill>
+                <a:latin typeface="Courier New" panose="02070309020205020404" pitchFamily="49" charset="0"/>
+                <a:cs typeface="Courier New" panose="02070309020205020404" pitchFamily="49" charset="0"/>
+              </a:rPr>
+              <a:t>0.0135      </a:t>
+            </a:r>
+            <a:r>
+              <a:rPr kumimoji="0" lang="en-US" altLang="en-US" sz="1000" b="0" i="0" u="none" strike="noStrike" cap="none" normalizeH="0" baseline="0" dirty="0">
+                <a:ln>
+                  <a:noFill/>
+                </a:ln>
+                <a:solidFill>
+                  <a:srgbClr val="333333"/>
+                </a:solidFill>
+                <a:effectLst/>
+                <a:latin typeface="Courier New" panose="02070309020205020404" pitchFamily="49" charset="0"/>
+                <a:cs typeface="Courier New" panose="02070309020205020404" pitchFamily="49" charset="0"/>
+              </a:rPr>
+              <a:t>62</a:t>
             </a:r>
             <a:endParaRPr kumimoji="0" lang="en-US" altLang="en-US" sz="1800" b="0" i="0" u="none" strike="noStrike" cap="none" normalizeH="0" baseline="0" dirty="0">
               <a:ln>
@@ -17693,6 +17856,36 @@
           </a:p>
         </p:txBody>
       </p:sp>
+      <p:pic>
+        <p:nvPicPr>
+          <p:cNvPr id="3" name="Picture 2">
+            <a:extLst>
+              <a:ext uri="{FF2B5EF4-FFF2-40B4-BE49-F238E27FC236}">
+                <a16:creationId xmlns:a16="http://schemas.microsoft.com/office/drawing/2014/main" id="{A29B6BFA-7E26-4830-A057-C27DBE5D9FB3}"/>
+              </a:ext>
+            </a:extLst>
+          </p:cNvPr>
+          <p:cNvPicPr>
+            <a:picLocks noChangeAspect="1"/>
+          </p:cNvPicPr>
+          <p:nvPr/>
+        </p:nvPicPr>
+        <p:blipFill>
+          <a:blip r:embed="rId3"/>
+          <a:stretch>
+            <a:fillRect/>
+          </a:stretch>
+        </p:blipFill>
+        <p:spPr>
+          <a:xfrm>
+            <a:off x="2521200" y="987150"/>
+            <a:ext cx="4032000" cy="2880000"/>
+          </a:xfrm>
+          <a:prstGeom prst="rect">
+            <a:avLst/>
+          </a:prstGeom>
+        </p:spPr>
+      </p:pic>
     </p:spTree>
     <p:extLst>
       <p:ext uri="{BB962C8B-B14F-4D97-AF65-F5344CB8AC3E}">
@@ -17913,7 +18106,9 @@
           <a:lstStyle/>
           <a:p>
             <a:r>
-              <a:rPr lang="en-US" sz="2800" dirty="0"/>
+              <a:rPr lang="en-US" sz="2800" dirty="0">
+                <a:latin typeface="Bahnschrift Condensed" panose="020B0502040204020203" pitchFamily="34" charset="0"/>
+              </a:rPr>
               <a:t>Median alcohol content for beers produced in each State</a:t>
             </a:r>
           </a:p>
@@ -17957,6 +18152,7 @@
                 <a:solidFill>
                   <a:schemeClr val="bg1"/>
                 </a:solidFill>
+                <a:latin typeface="Bahnschrift Condensed" panose="020B0502040204020203" pitchFamily="34" charset="0"/>
               </a:rPr>
               <a:t>Presented to the Brewers Association | Boulder, CO</a:t>
             </a:r>
@@ -18213,7 +18409,9 @@
           <a:lstStyle/>
           <a:p>
             <a:r>
-              <a:rPr lang="en-US" sz="2800" dirty="0"/>
+              <a:rPr lang="en-US" sz="2800" dirty="0">
+                <a:latin typeface="Bahnschrift Condensed" panose="020B0502040204020203" pitchFamily="34" charset="0"/>
+              </a:rPr>
               <a:t>Median Bitterness Units for beers produced in each State</a:t>
             </a:r>
           </a:p>
@@ -18257,6 +18455,7 @@
                 <a:solidFill>
                   <a:schemeClr val="bg1"/>
                 </a:solidFill>
+                <a:latin typeface="Bahnschrift Condensed" panose="020B0502040204020203" pitchFamily="34" charset="0"/>
               </a:rPr>
               <a:t>Presented to the Brewers Association | Boulder, CO</a:t>
             </a:r>
